--- a/java tutarial for OOP/Object and Classes1.pptx
+++ b/java tutarial for OOP/Object and Classes1.pptx
@@ -2,7 +2,7 @@
 <file path=ppt/presentation.xml><?xml version="1.0" encoding="utf-8"?>
 <p:presentation xmlns:a="http://schemas.openxmlformats.org/drawingml/2006/main" xmlns:r="http://schemas.openxmlformats.org/officeDocument/2006/relationships" xmlns:p="http://schemas.openxmlformats.org/presentationml/2006/main" saveSubsetFonts="1">
   <p:sldMasterIdLst>
-    <p:sldMasterId id="2147483707" r:id="rId1"/>
+    <p:sldMasterId id="2147483737" r:id="rId1"/>
   </p:sldMasterIdLst>
   <p:sldIdLst>
     <p:sldId id="256" r:id="rId2"/>
@@ -118,7 +118,7 @@
 </file>
 
 <file path=ppt/slideLayouts/slideLayout1.xml><?xml version="1.0" encoding="utf-8"?>
-<p:sldLayout xmlns:a="http://schemas.openxmlformats.org/drawingml/2006/main" xmlns:r="http://schemas.openxmlformats.org/officeDocument/2006/relationships" xmlns:p="http://schemas.openxmlformats.org/presentationml/2006/main" showMasterSp="0" type="title" preserve="1">
+<p:sldLayout xmlns:a="http://schemas.openxmlformats.org/drawingml/2006/main" xmlns:r="http://schemas.openxmlformats.org/officeDocument/2006/relationships" xmlns:p="http://schemas.openxmlformats.org/presentationml/2006/main" type="title" preserve="1">
   <p:cSld name="Title Slide">
     <p:spTree>
       <p:nvGrpSpPr>
@@ -137,22 +137,26 @@
       <p:sp>
         <p:nvSpPr>
           <p:cNvPr id="7" name="Rectangle 6"/>
-          <p:cNvSpPr/>
+          <p:cNvSpPr>
+            <a:spLocks noChangeAspect="1"/>
+          </p:cNvSpPr>
           <p:nvPr/>
         </p:nvSpPr>
         <p:spPr>
           <a:xfrm>
-            <a:off x="-6843" y="2059012"/>
-            <a:ext cx="12195668" cy="1828800"/>
+            <a:off x="231140" y="243840"/>
+            <a:ext cx="11724640" cy="6377939"/>
           </a:xfrm>
           <a:prstGeom prst="rect">
             <a:avLst/>
           </a:prstGeom>
           <a:solidFill>
-            <a:schemeClr val="tx1"/>
+            <a:schemeClr val="accent1"/>
           </a:solidFill>
-          <a:ln>
-            <a:noFill/>
+          <a:ln w="12700">
+            <a:solidFill>
+              <a:srgbClr val="FFFFFF"/>
+            </a:solidFill>
           </a:ln>
         </p:spPr>
         <p:style>
@@ -184,20 +188,24 @@
         </p:nvSpPr>
         <p:spPr>
           <a:xfrm>
-            <a:off x="365759" y="2166364"/>
-            <a:ext cx="11471565" cy="1739347"/>
+            <a:off x="1109980" y="882376"/>
+            <a:ext cx="9966960" cy="2926080"/>
           </a:xfrm>
         </p:spPr>
         <p:txBody>
-          <a:bodyPr tIns="45720" bIns="45720" anchor="ctr">
+          <a:bodyPr anchor="b">
             <a:normAutofit/>
           </a:bodyPr>
           <a:lstStyle>
             <a:lvl1pPr algn="ctr">
               <a:lnSpc>
-                <a:spcPct val="80000"/>
+                <a:spcPct val="85000"/>
               </a:lnSpc>
-              <a:defRPr sz="6000" spc="150" baseline="0"/>
+              <a:defRPr sz="7200" b="1" cap="all" baseline="0">
+                <a:solidFill>
+                  <a:srgbClr val="FFFFFF"/>
+                </a:solidFill>
+              </a:defRPr>
             </a:lvl1pPr>
           </a:lstStyle>
           <a:p>
@@ -221,8 +229,8 @@
         </p:nvSpPr>
         <p:spPr>
           <a:xfrm>
-            <a:off x="1524000" y="3996250"/>
-            <a:ext cx="9144000" cy="1309255"/>
+            <a:off x="1709530" y="3869634"/>
+            <a:ext cx="8767860" cy="1388165"/>
           </a:xfrm>
         </p:spPr>
         <p:txBody>
@@ -232,15 +240,19 @@
           <a:lstStyle>
             <a:lvl1pPr marL="0" indent="0" algn="ctr">
               <a:buNone/>
-              <a:defRPr sz="2000"/>
+              <a:defRPr sz="2200">
+                <a:solidFill>
+                  <a:srgbClr val="FFFFFF"/>
+                </a:solidFill>
+              </a:defRPr>
             </a:lvl1pPr>
             <a:lvl2pPr marL="457200" indent="0" algn="ctr">
               <a:buNone/>
-              <a:defRPr sz="2000"/>
+              <a:defRPr sz="2200"/>
             </a:lvl2pPr>
             <a:lvl3pPr marL="914400" indent="0" algn="ctr">
               <a:buNone/>
-              <a:defRPr sz="2000"/>
+              <a:defRPr sz="2200"/>
             </a:lvl3pPr>
             <a:lvl4pPr marL="1371600" indent="0" algn="ctr">
               <a:buNone/>
@@ -289,11 +301,19 @@
         <p:spPr/>
         <p:txBody>
           <a:bodyPr/>
-          <a:lstStyle/>
+          <a:lstStyle>
+            <a:lvl1pPr>
+              <a:defRPr>
+                <a:solidFill>
+                  <a:srgbClr val="FFFFFF"/>
+                </a:solidFill>
+              </a:defRPr>
+            </a:lvl1pPr>
+          </a:lstStyle>
           <a:p>
             <a:fld id="{F5BD9EDC-AD3D-4FC9-A7D2-74D0E44B78B0}" type="datetimeFigureOut">
               <a:rPr lang="en-US" smtClean="0"/>
-              <a:t>7/13/2020</a:t>
+              <a:t>8/8/2020</a:t>
             </a:fld>
             <a:endParaRPr lang="en-US"/>
           </a:p>
@@ -312,7 +332,15 @@
         <p:spPr/>
         <p:txBody>
           <a:bodyPr/>
-          <a:lstStyle/>
+          <a:lstStyle>
+            <a:lvl1pPr>
+              <a:defRPr>
+                <a:solidFill>
+                  <a:srgbClr val="FFFFFF"/>
+                </a:solidFill>
+              </a:defRPr>
+            </a:lvl1pPr>
+          </a:lstStyle>
           <a:p>
             <a:endParaRPr lang="en-US"/>
           </a:p>
@@ -331,7 +359,15 @@
         <p:spPr/>
         <p:txBody>
           <a:bodyPr/>
-          <a:lstStyle/>
+          <a:lstStyle>
+            <a:lvl1pPr>
+              <a:defRPr>
+                <a:solidFill>
+                  <a:srgbClr val="FFFFFF"/>
+                </a:solidFill>
+              </a:defRPr>
+            </a:lvl1pPr>
+          </a:lstStyle>
           <a:p>
             <a:fld id="{36054717-A49F-4140-8DD4-34060E527DAA}" type="slidenum">
               <a:rPr lang="en-US" smtClean="0"/>
@@ -341,10 +377,45 @@
           </a:p>
         </p:txBody>
       </p:sp>
+      <p:cxnSp>
+        <p:nvCxnSpPr>
+          <p:cNvPr id="8" name="Straight Connector 7"/>
+          <p:cNvCxnSpPr/>
+          <p:nvPr/>
+        </p:nvCxnSpPr>
+        <p:spPr>
+          <a:xfrm>
+            <a:off x="1978660" y="3733800"/>
+            <a:ext cx="8229601" cy="0"/>
+          </a:xfrm>
+          <a:prstGeom prst="line">
+            <a:avLst/>
+          </a:prstGeom>
+          <a:ln>
+            <a:solidFill>
+              <a:srgbClr val="FFFFFF"/>
+            </a:solidFill>
+          </a:ln>
+        </p:spPr>
+        <p:style>
+          <a:lnRef idx="1">
+            <a:schemeClr val="accent1"/>
+          </a:lnRef>
+          <a:fillRef idx="0">
+            <a:schemeClr val="accent1"/>
+          </a:fillRef>
+          <a:effectRef idx="0">
+            <a:schemeClr val="accent1"/>
+          </a:effectRef>
+          <a:fontRef idx="minor">
+            <a:schemeClr val="tx1"/>
+          </a:fontRef>
+        </p:style>
+      </p:cxnSp>
     </p:spTree>
     <p:extLst>
       <p:ext uri="{BB962C8B-B14F-4D97-AF65-F5344CB8AC3E}">
-        <p14:creationId xmlns:p14="http://schemas.microsoft.com/office/powerpoint/2010/main" val="3806080742"/>
+        <p14:creationId xmlns:p14="http://schemas.microsoft.com/office/powerpoint/2010/main" val="2145171194"/>
       </p:ext>
     </p:extLst>
   </p:cSld>
@@ -463,7 +534,7 @@
           <a:p>
             <a:fld id="{F5BD9EDC-AD3D-4FC9-A7D2-74D0E44B78B0}" type="datetimeFigureOut">
               <a:rPr lang="en-US" smtClean="0"/>
-              <a:t>7/13/2020</a:t>
+              <a:t>8/8/2020</a:t>
             </a:fld>
             <a:endParaRPr lang="en-US"/>
           </a:p>
@@ -514,7 +585,7 @@
     </p:spTree>
     <p:extLst>
       <p:ext uri="{BB962C8B-B14F-4D97-AF65-F5344CB8AC3E}">
-        <p14:creationId xmlns:p14="http://schemas.microsoft.com/office/powerpoint/2010/main" val="590368288"/>
+        <p14:creationId xmlns:p14="http://schemas.microsoft.com/office/powerpoint/2010/main" val="3098486435"/>
       </p:ext>
     </p:extLst>
   </p:cSld>
@@ -525,7 +596,7 @@
 </file>
 
 <file path=ppt/slideLayouts/slideLayout11.xml><?xml version="1.0" encoding="utf-8"?>
-<p:sldLayout xmlns:a="http://schemas.openxmlformats.org/drawingml/2006/main" xmlns:r="http://schemas.openxmlformats.org/officeDocument/2006/relationships" xmlns:p="http://schemas.openxmlformats.org/presentationml/2006/main" showMasterSp="0" type="vertTitleAndTx" preserve="1">
+<p:sldLayout xmlns:a="http://schemas.openxmlformats.org/drawingml/2006/main" xmlns:r="http://schemas.openxmlformats.org/officeDocument/2006/relationships" xmlns:p="http://schemas.openxmlformats.org/presentationml/2006/main" type="vertTitleAndTx" preserve="1">
   <p:cSld name="Vertical Title and Text">
     <p:spTree>
       <p:nvGrpSpPr>
@@ -543,65 +614,84 @@
       </p:grpSpPr>
       <p:sp>
         <p:nvSpPr>
-          <p:cNvPr id="7" name="Rectangle 6"/>
-          <p:cNvSpPr/>
-          <p:nvPr/>
+          <p:cNvPr id="2" name="Vertical Title 1"/>
+          <p:cNvSpPr>
+            <a:spLocks noGrp="1"/>
+          </p:cNvSpPr>
+          <p:nvPr>
+            <p:ph type="title" orient="vert"/>
+          </p:nvPr>
         </p:nvSpPr>
         <p:spPr>
           <a:xfrm>
-            <a:off x="9019312" y="0"/>
-            <a:ext cx="2743200" cy="6858000"/>
+            <a:off x="8724900" y="762000"/>
+            <a:ext cx="2324100" cy="5410200"/>
           </a:xfrm>
-          <a:prstGeom prst="rect">
-            <a:avLst/>
-          </a:prstGeom>
-          <a:solidFill>
-            <a:schemeClr val="tx1"/>
-          </a:solidFill>
-          <a:ln>
-            <a:noFill/>
-          </a:ln>
         </p:spPr>
-        <p:style>
-          <a:lnRef idx="2">
-            <a:schemeClr val="accent1">
-              <a:shade val="50000"/>
-            </a:schemeClr>
-          </a:lnRef>
-          <a:fillRef idx="1">
-            <a:schemeClr val="accent1"/>
-          </a:fillRef>
-          <a:effectRef idx="0">
-            <a:schemeClr val="accent1"/>
-          </a:effectRef>
-          <a:fontRef idx="minor">
-            <a:schemeClr val="lt1"/>
-          </a:fontRef>
-        </p:style>
-      </p:sp>
-      <p:sp>
-        <p:nvSpPr>
-          <p:cNvPr id="2" name="Vertical Title 1"/>
-          <p:cNvSpPr>
-            <a:spLocks noGrp="1"/>
-          </p:cNvSpPr>
-          <p:nvPr>
-            <p:ph type="title" orient="vert"/>
+        <p:txBody>
+          <a:bodyPr vert="eaVert"/>
+          <a:lstStyle/>
+          <a:p>
+            <a:r>
+              <a:rPr lang="en-US" smtClean="0"/>
+              <a:t>Click to edit Master title style</a:t>
+            </a:r>
+            <a:endParaRPr lang="en-US" dirty="0"/>
+          </a:p>
+        </p:txBody>
+      </p:sp>
+      <p:sp>
+        <p:nvSpPr>
+          <p:cNvPr id="3" name="Vertical Text Placeholder 2"/>
+          <p:cNvSpPr>
+            <a:spLocks noGrp="1"/>
+          </p:cNvSpPr>
+          <p:nvPr>
+            <p:ph type="body" orient="vert" idx="1"/>
           </p:nvPr>
         </p:nvSpPr>
         <p:spPr>
           <a:xfrm>
-            <a:off x="9160624" y="274638"/>
-            <a:ext cx="2402380" cy="5897562"/>
+            <a:off x="1143000" y="762000"/>
+            <a:ext cx="7429500" cy="5410200"/>
           </a:xfrm>
         </p:spPr>
         <p:txBody>
           <a:bodyPr vert="eaVert"/>
           <a:lstStyle/>
           <a:p>
-            <a:r>
-              <a:rPr lang="en-US" smtClean="0"/>
-              <a:t>Click to edit Master title style</a:t>
+            <a:pPr lvl="0"/>
+            <a:r>
+              <a:rPr lang="en-US" smtClean="0"/>
+              <a:t>Edit Master text styles</a:t>
+            </a:r>
+          </a:p>
+          <a:p>
+            <a:pPr lvl="1"/>
+            <a:r>
+              <a:rPr lang="en-US" smtClean="0"/>
+              <a:t>Second level</a:t>
+            </a:r>
+          </a:p>
+          <a:p>
+            <a:pPr lvl="2"/>
+            <a:r>
+              <a:rPr lang="en-US" smtClean="0"/>
+              <a:t>Third level</a:t>
+            </a:r>
+          </a:p>
+          <a:p>
+            <a:pPr lvl="3"/>
+            <a:r>
+              <a:rPr lang="en-US" smtClean="0"/>
+              <a:t>Fourth level</a:t>
+            </a:r>
+          </a:p>
+          <a:p>
+            <a:pPr lvl="4"/>
+            <a:r>
+              <a:rPr lang="en-US" smtClean="0"/>
+              <a:t>Fifth level</a:t>
             </a:r>
             <a:endParaRPr lang="en-US" dirty="0"/>
           </a:p>
@@ -609,63 +699,6 @@
       </p:sp>
       <p:sp>
         <p:nvSpPr>
-          <p:cNvPr id="3" name="Vertical Text Placeholder 2"/>
-          <p:cNvSpPr>
-            <a:spLocks noGrp="1"/>
-          </p:cNvSpPr>
-          <p:nvPr>
-            <p:ph type="body" orient="vert" idx="1"/>
-          </p:nvPr>
-        </p:nvSpPr>
-        <p:spPr>
-          <a:xfrm>
-            <a:off x="838199" y="274638"/>
-            <a:ext cx="7973291" cy="5897562"/>
-          </a:xfrm>
-        </p:spPr>
-        <p:txBody>
-          <a:bodyPr vert="eaVert"/>
-          <a:lstStyle/>
-          <a:p>
-            <a:pPr lvl="0"/>
-            <a:r>
-              <a:rPr lang="en-US" smtClean="0"/>
-              <a:t>Edit Master text styles</a:t>
-            </a:r>
-          </a:p>
-          <a:p>
-            <a:pPr lvl="1"/>
-            <a:r>
-              <a:rPr lang="en-US" smtClean="0"/>
-              <a:t>Second level</a:t>
-            </a:r>
-          </a:p>
-          <a:p>
-            <a:pPr lvl="2"/>
-            <a:r>
-              <a:rPr lang="en-US" smtClean="0"/>
-              <a:t>Third level</a:t>
-            </a:r>
-          </a:p>
-          <a:p>
-            <a:pPr lvl="3"/>
-            <a:r>
-              <a:rPr lang="en-US" smtClean="0"/>
-              <a:t>Fourth level</a:t>
-            </a:r>
-          </a:p>
-          <a:p>
-            <a:pPr lvl="4"/>
-            <a:r>
-              <a:rPr lang="en-US" smtClean="0"/>
-              <a:t>Fifth level</a:t>
-            </a:r>
-            <a:endParaRPr lang="en-US" dirty="0"/>
-          </a:p>
-        </p:txBody>
-      </p:sp>
-      <p:sp>
-        <p:nvSpPr>
           <p:cNvPr id="4" name="Date Placeholder 3"/>
           <p:cNvSpPr>
             <a:spLocks noGrp="1"/>
@@ -674,19 +707,14 @@
             <p:ph type="dt" sz="half" idx="10"/>
           </p:nvPr>
         </p:nvSpPr>
-        <p:spPr>
-          <a:xfrm>
-            <a:off x="838200" y="6422854"/>
-            <a:ext cx="2743196" cy="365125"/>
-          </a:xfrm>
-        </p:spPr>
+        <p:spPr/>
         <p:txBody>
           <a:bodyPr/>
           <a:lstStyle/>
           <a:p>
             <a:fld id="{F5BD9EDC-AD3D-4FC9-A7D2-74D0E44B78B0}" type="datetimeFigureOut">
               <a:rPr lang="en-US" smtClean="0"/>
-              <a:t>7/13/2020</a:t>
+              <a:t>8/8/2020</a:t>
             </a:fld>
             <a:endParaRPr lang="en-US"/>
           </a:p>
@@ -702,12 +730,7 @@
             <p:ph type="ftr" sz="quarter" idx="11"/>
           </p:nvPr>
         </p:nvSpPr>
-        <p:spPr>
-          <a:xfrm>
-            <a:off x="3776135" y="6422854"/>
-            <a:ext cx="4279669" cy="365125"/>
-          </a:xfrm>
-        </p:spPr>
+        <p:spPr/>
         <p:txBody>
           <a:bodyPr/>
           <a:lstStyle/>
@@ -726,12 +749,7 @@
             <p:ph type="sldNum" sz="quarter" idx="12"/>
           </p:nvPr>
         </p:nvSpPr>
-        <p:spPr>
-          <a:xfrm>
-            <a:off x="8073048" y="6422854"/>
-            <a:ext cx="879759" cy="365125"/>
-          </a:xfrm>
-        </p:spPr>
+        <p:spPr/>
         <p:txBody>
           <a:bodyPr/>
           <a:lstStyle/>
@@ -747,7 +765,7 @@
     </p:spTree>
     <p:extLst>
       <p:ext uri="{BB962C8B-B14F-4D97-AF65-F5344CB8AC3E}">
-        <p14:creationId xmlns:p14="http://schemas.microsoft.com/office/powerpoint/2010/main" val="395129437"/>
+        <p14:creationId xmlns:p14="http://schemas.microsoft.com/office/powerpoint/2010/main" val="3752238571"/>
       </p:ext>
     </p:extLst>
   </p:cSld>
@@ -866,7 +884,7 @@
           <a:p>
             <a:fld id="{F5BD9EDC-AD3D-4FC9-A7D2-74D0E44B78B0}" type="datetimeFigureOut">
               <a:rPr lang="en-US" smtClean="0"/>
-              <a:t>7/13/2020</a:t>
+              <a:t>8/8/2020</a:t>
             </a:fld>
             <a:endParaRPr lang="en-US"/>
           </a:p>
@@ -917,7 +935,7 @@
     </p:spTree>
     <p:extLst>
       <p:ext uri="{BB962C8B-B14F-4D97-AF65-F5344CB8AC3E}">
-        <p14:creationId xmlns:p14="http://schemas.microsoft.com/office/powerpoint/2010/main" val="1304894181"/>
+        <p14:creationId xmlns:p14="http://schemas.microsoft.com/office/powerpoint/2010/main" val="3113767405"/>
       </p:ext>
     </p:extLst>
   </p:cSld>
@@ -928,13 +946,8 @@
 </file>
 
 <file path=ppt/slideLayouts/slideLayout3.xml><?xml version="1.0" encoding="utf-8"?>
-<p:sldLayout xmlns:a="http://schemas.openxmlformats.org/drawingml/2006/main" xmlns:r="http://schemas.openxmlformats.org/officeDocument/2006/relationships" xmlns:p="http://schemas.openxmlformats.org/presentationml/2006/main" showMasterSp="0" type="secHead" preserve="1">
+<p:sldLayout xmlns:a="http://schemas.openxmlformats.org/drawingml/2006/main" xmlns:r="http://schemas.openxmlformats.org/officeDocument/2006/relationships" xmlns:p="http://schemas.openxmlformats.org/presentationml/2006/main" type="secHead" preserve="1">
   <p:cSld name="Section Header">
-    <p:bg>
-      <p:bgRef idx="1001">
-        <a:schemeClr val="bg1"/>
-      </p:bgRef>
-    </p:bg>
     <p:spTree>
       <p:nvGrpSpPr>
         <p:cNvPr id="1" name=""/>
@@ -951,72 +964,30 @@
       </p:grpSpPr>
       <p:sp>
         <p:nvSpPr>
-          <p:cNvPr id="7" name="Rectangle 6"/>
-          <p:cNvSpPr/>
-          <p:nvPr/>
+          <p:cNvPr id="2" name="Title 1"/>
+          <p:cNvSpPr>
+            <a:spLocks noGrp="1"/>
+          </p:cNvSpPr>
+          <p:nvPr>
+            <p:ph type="title"/>
+          </p:nvPr>
         </p:nvSpPr>
         <p:spPr>
           <a:xfrm>
-            <a:off x="-6843" y="2059012"/>
-            <a:ext cx="12195668" cy="1828800"/>
-          </a:xfrm>
-          <a:prstGeom prst="rect">
-            <a:avLst/>
-          </a:prstGeom>
-          <a:solidFill>
-            <a:schemeClr val="tx2"/>
-          </a:solidFill>
-          <a:ln>
-            <a:noFill/>
-          </a:ln>
-        </p:spPr>
-        <p:style>
-          <a:lnRef idx="2">
-            <a:schemeClr val="accent1">
-              <a:shade val="50000"/>
-            </a:schemeClr>
-          </a:lnRef>
-          <a:fillRef idx="1">
-            <a:schemeClr val="accent1"/>
-          </a:fillRef>
-          <a:effectRef idx="0">
-            <a:schemeClr val="accent1"/>
-          </a:effectRef>
-          <a:fontRef idx="minor">
-            <a:schemeClr val="lt1"/>
-          </a:fontRef>
-        </p:style>
-      </p:sp>
-      <p:sp>
-        <p:nvSpPr>
-          <p:cNvPr id="2" name="Title 1"/>
-          <p:cNvSpPr>
-            <a:spLocks noGrp="1"/>
-          </p:cNvSpPr>
-          <p:nvPr>
-            <p:ph type="title"/>
-          </p:nvPr>
-        </p:nvSpPr>
-        <p:spPr>
-          <a:xfrm>
-            <a:off x="833191" y="2208879"/>
-            <a:ext cx="10515600" cy="1676400"/>
+            <a:off x="1106424" y="1173575"/>
+            <a:ext cx="9966960" cy="2926080"/>
           </a:xfrm>
         </p:spPr>
         <p:txBody>
-          <a:bodyPr anchor="ctr">
+          <a:bodyPr anchor="b">
             <a:noAutofit/>
           </a:bodyPr>
           <a:lstStyle>
             <a:lvl1pPr algn="ctr">
               <a:lnSpc>
-                <a:spcPct val="80000"/>
+                <a:spcPct val="85000"/>
               </a:lnSpc>
-              <a:defRPr sz="6000" b="0" spc="150" baseline="0">
-                <a:solidFill>
-                  <a:schemeClr val="bg1"/>
-                </a:solidFill>
-              </a:defRPr>
+              <a:defRPr sz="7200" b="0" cap="all" baseline="0"/>
             </a:lvl1pPr>
           </a:lstStyle>
           <a:p>
@@ -1040,8 +1011,8 @@
         </p:nvSpPr>
         <p:spPr>
           <a:xfrm>
-            <a:off x="833191" y="4010334"/>
-            <a:ext cx="10515600" cy="1174639"/>
+            <a:off x="1709928" y="4154520"/>
+            <a:ext cx="8769096" cy="1363806"/>
           </a:xfrm>
         </p:spPr>
         <p:txBody>
@@ -1051,9 +1022,9 @@
           <a:lstStyle>
             <a:lvl1pPr marL="0" indent="0" algn="ctr">
               <a:buNone/>
-              <a:defRPr sz="2000">
+              <a:defRPr sz="2200">
                 <a:solidFill>
-                  <a:schemeClr val="tx2"/>
+                  <a:schemeClr val="accent1"/>
                 </a:solidFill>
               </a:defRPr>
             </a:lvl1pPr>
@@ -1160,19 +1131,11 @@
         <p:spPr/>
         <p:txBody>
           <a:bodyPr/>
-          <a:lstStyle>
-            <a:lvl1pPr>
-              <a:defRPr>
-                <a:solidFill>
-                  <a:schemeClr val="tx2"/>
-                </a:solidFill>
-              </a:defRPr>
-            </a:lvl1pPr>
-          </a:lstStyle>
+          <a:lstStyle/>
           <a:p>
             <a:fld id="{F5BD9EDC-AD3D-4FC9-A7D2-74D0E44B78B0}" type="datetimeFigureOut">
               <a:rPr lang="en-US" smtClean="0"/>
-              <a:t>7/13/2020</a:t>
+              <a:t>8/8/2020</a:t>
             </a:fld>
             <a:endParaRPr lang="en-US"/>
           </a:p>
@@ -1191,15 +1154,7 @@
         <p:spPr/>
         <p:txBody>
           <a:bodyPr/>
-          <a:lstStyle>
-            <a:lvl1pPr>
-              <a:defRPr>
-                <a:solidFill>
-                  <a:schemeClr val="tx2"/>
-                </a:solidFill>
-              </a:defRPr>
-            </a:lvl1pPr>
-          </a:lstStyle>
+          <a:lstStyle/>
           <a:p>
             <a:endParaRPr lang="en-US"/>
           </a:p>
@@ -1218,15 +1173,7 @@
         <p:spPr/>
         <p:txBody>
           <a:bodyPr/>
-          <a:lstStyle>
-            <a:lvl1pPr>
-              <a:defRPr>
-                <a:solidFill>
-                  <a:schemeClr val="tx2"/>
-                </a:solidFill>
-              </a:defRPr>
-            </a:lvl1pPr>
-          </a:lstStyle>
+          <a:lstStyle/>
           <a:p>
             <a:fld id="{36054717-A49F-4140-8DD4-34060E527DAA}" type="slidenum">
               <a:rPr lang="en-US" smtClean="0"/>
@@ -1236,15 +1183,50 @@
           </a:p>
         </p:txBody>
       </p:sp>
+      <p:cxnSp>
+        <p:nvCxnSpPr>
+          <p:cNvPr id="7" name="Straight Connector 6"/>
+          <p:cNvCxnSpPr/>
+          <p:nvPr/>
+        </p:nvCxnSpPr>
+        <p:spPr>
+          <a:xfrm>
+            <a:off x="1981200" y="4020408"/>
+            <a:ext cx="8229601" cy="0"/>
+          </a:xfrm>
+          <a:prstGeom prst="line">
+            <a:avLst/>
+          </a:prstGeom>
+          <a:ln>
+            <a:solidFill>
+              <a:schemeClr val="accent1"/>
+            </a:solidFill>
+          </a:ln>
+        </p:spPr>
+        <p:style>
+          <a:lnRef idx="1">
+            <a:schemeClr val="accent1"/>
+          </a:lnRef>
+          <a:fillRef idx="0">
+            <a:schemeClr val="accent1"/>
+          </a:fillRef>
+          <a:effectRef idx="0">
+            <a:schemeClr val="accent1"/>
+          </a:effectRef>
+          <a:fontRef idx="minor">
+            <a:schemeClr val="tx1"/>
+          </a:fontRef>
+        </p:style>
+      </p:cxnSp>
     </p:spTree>
     <p:extLst>
       <p:ext uri="{BB962C8B-B14F-4D97-AF65-F5344CB8AC3E}">
-        <p14:creationId xmlns:p14="http://schemas.microsoft.com/office/powerpoint/2010/main" val="666650690"/>
+        <p14:creationId xmlns:p14="http://schemas.microsoft.com/office/powerpoint/2010/main" val="3528363572"/>
       </p:ext>
     </p:extLst>
   </p:cSld>
   <p:clrMapOvr>
-    <a:overrideClrMapping bg1="lt1" tx1="dk1" bg2="lt2" tx2="dk2" accent1="accent1" accent2="accent2" accent3="accent3" accent4="accent4" accent5="accent5" accent6="accent6" hlink="hlink" folHlink="folHlink"/>
+    <a:masterClrMapping/>
   </p:clrMapOvr>
 </p:sldLayout>
 </file>
@@ -1301,8 +1283,8 @@
         </p:nvSpPr>
         <p:spPr>
           <a:xfrm>
-            <a:off x="1205344" y="2011680"/>
-            <a:ext cx="4754880" cy="4206240"/>
+            <a:off x="1143000" y="2057399"/>
+            <a:ext cx="4754880" cy="4023360"/>
           </a:xfrm>
         </p:spPr>
         <p:txBody>
@@ -1386,8 +1368,8 @@
         </p:nvSpPr>
         <p:spPr>
           <a:xfrm>
-            <a:off x="6230391" y="2011680"/>
-            <a:ext cx="4754880" cy="4206240"/>
+            <a:off x="6267612" y="2057400"/>
+            <a:ext cx="4754880" cy="4023360"/>
           </a:xfrm>
         </p:spPr>
         <p:txBody>
@@ -1476,7 +1458,7 @@
           <a:p>
             <a:fld id="{F5BD9EDC-AD3D-4FC9-A7D2-74D0E44B78B0}" type="datetimeFigureOut">
               <a:rPr lang="en-US" smtClean="0"/>
-              <a:t>7/13/2020</a:t>
+              <a:t>8/8/2020</a:t>
             </a:fld>
             <a:endParaRPr lang="en-US"/>
           </a:p>
@@ -1527,7 +1509,7 @@
     </p:spTree>
     <p:extLst>
       <p:ext uri="{BB962C8B-B14F-4D97-AF65-F5344CB8AC3E}">
-        <p14:creationId xmlns:p14="http://schemas.microsoft.com/office/powerpoint/2010/main" val="2249340516"/>
+        <p14:creationId xmlns:p14="http://schemas.microsoft.com/office/powerpoint/2010/main" val="993309616"/>
       </p:ext>
     </p:extLst>
   </p:cSld>
@@ -1594,18 +1576,19 @@
         </p:nvSpPr>
         <p:spPr>
           <a:xfrm>
-            <a:off x="1207008" y="1913470"/>
-            <a:ext cx="4754880" cy="743094"/>
+            <a:off x="1143000" y="2001511"/>
+            <a:ext cx="4754880" cy="777240"/>
           </a:xfrm>
         </p:spPr>
         <p:txBody>
-          <a:bodyPr anchor="ctr">
-            <a:normAutofit/>
-          </a:bodyPr>
+          <a:bodyPr anchor="ctr"/>
           <a:lstStyle>
             <a:lvl1pPr marL="0" indent="0">
-              <a:buNone/>
-              <a:defRPr sz="2100" b="1"/>
+              <a:spcBef>
+                <a:spcPts val="0"/>
+              </a:spcBef>
+              <a:buNone/>
+              <a:defRPr sz="2400" b="1"/>
             </a:lvl1pPr>
             <a:lvl2pPr marL="457200" indent="0">
               <a:buNone/>
@@ -1661,8 +1644,8 @@
         </p:nvSpPr>
         <p:spPr>
           <a:xfrm>
-            <a:off x="1207008" y="2656566"/>
-            <a:ext cx="4754880" cy="3566160"/>
+            <a:off x="1143000" y="2721483"/>
+            <a:ext cx="4754880" cy="3383280"/>
           </a:xfrm>
         </p:spPr>
         <p:txBody>
@@ -1746,18 +1729,19 @@
         </p:nvSpPr>
         <p:spPr>
           <a:xfrm>
-            <a:off x="6231230" y="1913470"/>
-            <a:ext cx="4754880" cy="743094"/>
+            <a:off x="6269173" y="1999032"/>
+            <a:ext cx="4754880" cy="777240"/>
           </a:xfrm>
         </p:spPr>
         <p:txBody>
-          <a:bodyPr anchor="ctr">
-            <a:normAutofit/>
-          </a:bodyPr>
+          <a:bodyPr anchor="ctr"/>
           <a:lstStyle>
             <a:lvl1pPr marL="0" indent="0">
-              <a:buNone/>
-              <a:defRPr sz="2100" b="1"/>
+              <a:spcBef>
+                <a:spcPts val="0"/>
+              </a:spcBef>
+              <a:buNone/>
+              <a:defRPr sz="2400" b="1"/>
             </a:lvl1pPr>
             <a:lvl2pPr marL="457200" indent="0">
               <a:buNone/>
@@ -1813,8 +1797,8 @@
         </p:nvSpPr>
         <p:spPr>
           <a:xfrm>
-            <a:off x="6231230" y="2656564"/>
-            <a:ext cx="4754880" cy="3566160"/>
+            <a:off x="6269173" y="2719322"/>
+            <a:ext cx="4754880" cy="3383280"/>
           </a:xfrm>
         </p:spPr>
         <p:txBody>
@@ -1903,7 +1887,7 @@
           <a:p>
             <a:fld id="{F5BD9EDC-AD3D-4FC9-A7D2-74D0E44B78B0}" type="datetimeFigureOut">
               <a:rPr lang="en-US" smtClean="0"/>
-              <a:t>7/13/2020</a:t>
+              <a:t>8/8/2020</a:t>
             </a:fld>
             <a:endParaRPr lang="en-US"/>
           </a:p>
@@ -1954,7 +1938,7 @@
     </p:spTree>
     <p:extLst>
       <p:ext uri="{BB962C8B-B14F-4D97-AF65-F5344CB8AC3E}">
-        <p14:creationId xmlns:p14="http://schemas.microsoft.com/office/powerpoint/2010/main" val="3294916588"/>
+        <p14:creationId xmlns:p14="http://schemas.microsoft.com/office/powerpoint/2010/main" val="2205910778"/>
       </p:ext>
     </p:extLst>
   </p:cSld>
@@ -2026,7 +2010,7 @@
           <a:p>
             <a:fld id="{F5BD9EDC-AD3D-4FC9-A7D2-74D0E44B78B0}" type="datetimeFigureOut">
               <a:rPr lang="en-US" smtClean="0"/>
-              <a:t>7/13/2020</a:t>
+              <a:t>8/8/2020</a:t>
             </a:fld>
             <a:endParaRPr lang="en-US"/>
           </a:p>
@@ -2077,7 +2061,7 @@
     </p:spTree>
     <p:extLst>
       <p:ext uri="{BB962C8B-B14F-4D97-AF65-F5344CB8AC3E}">
-        <p14:creationId xmlns:p14="http://schemas.microsoft.com/office/powerpoint/2010/main" val="3707495016"/>
+        <p14:creationId xmlns:p14="http://schemas.microsoft.com/office/powerpoint/2010/main" val="3533365556"/>
       </p:ext>
     </p:extLst>
   </p:cSld>
@@ -2088,7 +2072,7 @@
 </file>
 
 <file path=ppt/slideLayouts/slideLayout7.xml><?xml version="1.0" encoding="utf-8"?>
-<p:sldLayout xmlns:a="http://schemas.openxmlformats.org/drawingml/2006/main" xmlns:r="http://schemas.openxmlformats.org/officeDocument/2006/relationships" xmlns:p="http://schemas.openxmlformats.org/presentationml/2006/main" showMasterSp="0" type="blank" preserve="1">
+<p:sldLayout xmlns:a="http://schemas.openxmlformats.org/drawingml/2006/main" xmlns:r="http://schemas.openxmlformats.org/officeDocument/2006/relationships" xmlns:p="http://schemas.openxmlformats.org/presentationml/2006/main" type="blank" preserve="1">
   <p:cSld name="Blank">
     <p:spTree>
       <p:nvGrpSpPr>
@@ -2121,7 +2105,7 @@
           <a:p>
             <a:fld id="{F5BD9EDC-AD3D-4FC9-A7D2-74D0E44B78B0}" type="datetimeFigureOut">
               <a:rPr lang="en-US" smtClean="0"/>
-              <a:t>7/13/2020</a:t>
+              <a:t>8/8/2020</a:t>
             </a:fld>
             <a:endParaRPr lang="en-US"/>
           </a:p>
@@ -2172,7 +2156,7 @@
     </p:spTree>
     <p:extLst>
       <p:ext uri="{BB962C8B-B14F-4D97-AF65-F5344CB8AC3E}">
-        <p14:creationId xmlns:p14="http://schemas.microsoft.com/office/powerpoint/2010/main" val="1038939573"/>
+        <p14:creationId xmlns:p14="http://schemas.microsoft.com/office/powerpoint/2010/main" val="3355562133"/>
       </p:ext>
     </p:extLst>
   </p:cSld>
@@ -2201,41 +2185,55 @@
       </p:grpSpPr>
       <p:sp>
         <p:nvSpPr>
-          <p:cNvPr id="8" name="Title 7"/>
+          <p:cNvPr id="2" name="Title 1"/>
           <p:cNvSpPr>
             <a:spLocks noGrp="1"/>
           </p:cNvSpPr>
           <p:nvPr>
             <p:ph type="title"/>
-          </p:nvPr>
-        </p:nvSpPr>
-        <p:spPr/>
-        <p:txBody>
-          <a:bodyPr/>
-          <a:lstStyle/>
-          <a:p>
-            <a:r>
-              <a:rPr lang="en-US" smtClean="0"/>
-              <a:t>Click to edit Master title style</a:t>
-            </a:r>
-            <a:endParaRPr lang="en-US" dirty="0"/>
-          </a:p>
-        </p:txBody>
-      </p:sp>
-      <p:sp>
-        <p:nvSpPr>
-          <p:cNvPr id="3" name="Content Placeholder 2"/>
-          <p:cNvSpPr>
-            <a:spLocks noGrp="1"/>
-          </p:cNvSpPr>
-          <p:nvPr>
-            <p:ph idx="1"/>
           </p:nvPr>
         </p:nvSpPr>
         <p:spPr>
           <a:xfrm>
-            <a:off x="1207008" y="2120054"/>
-            <a:ext cx="6126480" cy="4114800"/>
+            <a:off x="1143000" y="1097280"/>
+            <a:ext cx="3931920" cy="1737360"/>
+          </a:xfrm>
+        </p:spPr>
+        <p:txBody>
+          <a:bodyPr anchor="b">
+            <a:noAutofit/>
+          </a:bodyPr>
+          <a:lstStyle>
+            <a:lvl1pPr>
+              <a:lnSpc>
+                <a:spcPct val="90000"/>
+              </a:lnSpc>
+              <a:defRPr sz="4000" b="0"/>
+            </a:lvl1pPr>
+          </a:lstStyle>
+          <a:p>
+            <a:r>
+              <a:rPr lang="en-US" smtClean="0"/>
+              <a:t>Click to edit Master title style</a:t>
+            </a:r>
+            <a:endParaRPr lang="en-US" dirty="0"/>
+          </a:p>
+        </p:txBody>
+      </p:sp>
+      <p:sp>
+        <p:nvSpPr>
+          <p:cNvPr id="3" name="Content Placeholder 2"/>
+          <p:cNvSpPr>
+            <a:spLocks noGrp="1"/>
+          </p:cNvSpPr>
+          <p:nvPr>
+            <p:ph idx="1"/>
+          </p:nvPr>
+        </p:nvSpPr>
+        <p:spPr>
+          <a:xfrm>
+            <a:off x="5852159" y="1097280"/>
+            <a:ext cx="5212080" cy="4663440"/>
           </a:xfrm>
         </p:spPr>
         <p:txBody>
@@ -2319,8 +2317,8 @@
         </p:nvSpPr>
         <p:spPr>
           <a:xfrm>
-            <a:off x="7789023" y="2147486"/>
-            <a:ext cx="3200400" cy="3432319"/>
+            <a:off x="1143000" y="2834640"/>
+            <a:ext cx="3931920" cy="3017520"/>
           </a:xfrm>
         </p:spPr>
         <p:txBody>
@@ -2330,10 +2328,13 @@
           <a:lstStyle>
             <a:lvl1pPr marL="0" indent="0">
               <a:lnSpc>
-                <a:spcPct val="95000"/>
+                <a:spcPct val="100000"/>
               </a:lnSpc>
-              <a:buNone/>
-              <a:defRPr sz="1800"/>
+              <a:spcBef>
+                <a:spcPts val="1000"/>
+              </a:spcBef>
+              <a:buNone/>
+              <a:defRPr sz="1700"/>
             </a:lvl1pPr>
             <a:lvl2pPr marL="457200" indent="0">
               <a:buNone/>
@@ -2394,7 +2395,7 @@
           <a:p>
             <a:fld id="{F5BD9EDC-AD3D-4FC9-A7D2-74D0E44B78B0}" type="datetimeFigureOut">
               <a:rPr lang="en-US" smtClean="0"/>
-              <a:t>7/13/2020</a:t>
+              <a:t>8/8/2020</a:t>
             </a:fld>
             <a:endParaRPr lang="en-US"/>
           </a:p>
@@ -2445,7 +2446,7 @@
     </p:spTree>
     <p:extLst>
       <p:ext uri="{BB962C8B-B14F-4D97-AF65-F5344CB8AC3E}">
-        <p14:creationId xmlns:p14="http://schemas.microsoft.com/office/powerpoint/2010/main" val="689214323"/>
+        <p14:creationId xmlns:p14="http://schemas.microsoft.com/office/powerpoint/2010/main" val="2043924888"/>
       </p:ext>
     </p:extLst>
   </p:cSld>
@@ -2479,61 +2480,65 @@
       </p:grpSpPr>
       <p:sp>
         <p:nvSpPr>
-          <p:cNvPr id="8" name="Title 7"/>
+          <p:cNvPr id="2" name="Title 1"/>
           <p:cNvSpPr>
             <a:spLocks noGrp="1"/>
           </p:cNvSpPr>
           <p:nvPr>
             <p:ph type="title"/>
-          </p:nvPr>
-        </p:nvSpPr>
-        <p:spPr/>
-        <p:txBody>
-          <a:bodyPr/>
-          <a:lstStyle/>
-          <a:p>
-            <a:r>
-              <a:rPr lang="en-US" smtClean="0"/>
-              <a:t>Click to edit Master title style</a:t>
-            </a:r>
-            <a:endParaRPr lang="en-US" dirty="0"/>
-          </a:p>
-        </p:txBody>
-      </p:sp>
-      <p:sp>
-        <p:nvSpPr>
-          <p:cNvPr id="3" name="Picture Placeholder 2"/>
-          <p:cNvSpPr>
-            <a:spLocks noGrp="1" noChangeAspect="1"/>
-          </p:cNvSpPr>
-          <p:nvPr>
-            <p:ph type="pic" idx="1"/>
           </p:nvPr>
         </p:nvSpPr>
         <p:spPr>
           <a:xfrm>
-            <a:off x="1280160" y="2211494"/>
-            <a:ext cx="6126480" cy="3931920"/>
+            <a:off x="1143000" y="1097280"/>
+            <a:ext cx="3931920" cy="1737360"/>
           </a:xfrm>
-          <a:solidFill>
-            <a:schemeClr val="tx2">
-              <a:lumMod val="60000"/>
-              <a:lumOff val="40000"/>
-            </a:schemeClr>
-          </a:solidFill>
         </p:spPr>
         <p:txBody>
-          <a:bodyPr tIns="365760" anchor="t"/>
+          <a:bodyPr anchor="b">
+            <a:noAutofit/>
+          </a:bodyPr>
           <a:lstStyle>
-            <a:lvl1pPr marL="0" indent="0" algn="ctr">
-              <a:buNone/>
-              <a:defRPr sz="3200">
-                <a:solidFill>
-                  <a:schemeClr val="tx1">
-                    <a:lumMod val="50000"/>
-                  </a:schemeClr>
-                </a:solidFill>
-              </a:defRPr>
+            <a:lvl1pPr>
+              <a:lnSpc>
+                <a:spcPct val="90000"/>
+              </a:lnSpc>
+              <a:defRPr sz="4000" b="0"/>
+            </a:lvl1pPr>
+          </a:lstStyle>
+          <a:p>
+            <a:r>
+              <a:rPr lang="en-US" smtClean="0"/>
+              <a:t>Click to edit Master title style</a:t>
+            </a:r>
+            <a:endParaRPr lang="en-US" dirty="0"/>
+          </a:p>
+        </p:txBody>
+      </p:sp>
+      <p:sp>
+        <p:nvSpPr>
+          <p:cNvPr id="3" name="Picture Placeholder 2"/>
+          <p:cNvSpPr>
+            <a:spLocks noGrp="1" noChangeAspect="1"/>
+          </p:cNvSpPr>
+          <p:nvPr>
+            <p:ph type="pic" idx="1"/>
+          </p:nvPr>
+        </p:nvSpPr>
+        <p:spPr>
+          <a:xfrm>
+            <a:off x="5413248" y="1069847"/>
+            <a:ext cx="6099048" cy="4800600"/>
+          </a:xfrm>
+        </p:spPr>
+        <p:txBody>
+          <a:bodyPr lIns="274320" tIns="182880" anchor="t">
+            <a:normAutofit/>
+          </a:bodyPr>
+          <a:lstStyle>
+            <a:lvl1pPr marL="0" indent="0">
+              <a:buNone/>
+              <a:defRPr sz="2800"/>
             </a:lvl1pPr>
             <a:lvl2pPr marL="457200" indent="0">
               <a:buNone/>
@@ -2589,8 +2594,8 @@
         </p:nvSpPr>
         <p:spPr>
           <a:xfrm>
-            <a:off x="7790688" y="2150621"/>
-            <a:ext cx="3200400" cy="3429000"/>
+            <a:off x="1143000" y="2834640"/>
+            <a:ext cx="3931920" cy="2880360"/>
           </a:xfrm>
         </p:spPr>
         <p:txBody>
@@ -2600,10 +2605,13 @@
           <a:lstStyle>
             <a:lvl1pPr marL="0" indent="0">
               <a:lnSpc>
-                <a:spcPct val="95000"/>
+                <a:spcPct val="100000"/>
               </a:lnSpc>
-              <a:buNone/>
-              <a:defRPr sz="1800"/>
+              <a:spcBef>
+                <a:spcPts val="1000"/>
+              </a:spcBef>
+              <a:buNone/>
+              <a:defRPr sz="1700"/>
             </a:lvl1pPr>
             <a:lvl2pPr marL="457200" indent="0">
               <a:buNone/>
@@ -2664,7 +2672,7 @@
           <a:p>
             <a:fld id="{F5BD9EDC-AD3D-4FC9-A7D2-74D0E44B78B0}" type="datetimeFigureOut">
               <a:rPr lang="en-US" smtClean="0"/>
-              <a:t>7/13/2020</a:t>
+              <a:t>8/8/2020</a:t>
             </a:fld>
             <a:endParaRPr lang="en-US"/>
           </a:p>
@@ -2715,7 +2723,7 @@
     </p:spTree>
     <p:extLst>
       <p:ext uri="{BB962C8B-B14F-4D97-AF65-F5344CB8AC3E}">
-        <p14:creationId xmlns:p14="http://schemas.microsoft.com/office/powerpoint/2010/main" val="2995563682"/>
+        <p14:creationId xmlns:p14="http://schemas.microsoft.com/office/powerpoint/2010/main" val="2575214743"/>
       </p:ext>
     </p:extLst>
   </p:cSld>
@@ -2729,9 +2737,12 @@
 <p:sldMaster xmlns:a="http://schemas.openxmlformats.org/drawingml/2006/main" xmlns:r="http://schemas.openxmlformats.org/officeDocument/2006/relationships" xmlns:p="http://schemas.openxmlformats.org/presentationml/2006/main">
   <p:cSld>
     <p:bg>
-      <p:bgRef idx="1001">
-        <a:schemeClr val="bg2"/>
-      </p:bgRef>
+      <p:bgPr>
+        <a:solidFill>
+          <a:schemeClr val="accent1"/>
+        </a:solidFill>
+        <a:effectLst/>
+      </p:bgPr>
     </p:bg>
     <p:spTree>
       <p:nvGrpSpPr>
@@ -2750,21 +2761,23 @@
       <p:sp>
         <p:nvSpPr>
           <p:cNvPr id="7" name="Rectangle 6"/>
-          <p:cNvSpPr/>
+          <p:cNvSpPr>
+            <a:spLocks noChangeAspect="1"/>
+          </p:cNvSpPr>
           <p:nvPr/>
         </p:nvSpPr>
         <p:spPr>
           <a:xfrm>
-            <a:off x="483" y="176109"/>
-            <a:ext cx="12188952" cy="1645919"/>
+            <a:off x="231140" y="243840"/>
+            <a:ext cx="11724640" cy="6377939"/>
           </a:xfrm>
           <a:prstGeom prst="rect">
             <a:avLst/>
           </a:prstGeom>
           <a:solidFill>
-            <a:schemeClr val="tx1"/>
+            <a:schemeClr val="bg1"/>
           </a:solidFill>
-          <a:ln>
+          <a:ln w="12700">
             <a:noFill/>
           </a:ln>
         </p:spPr>
@@ -2797,8 +2810,8 @@
         </p:nvSpPr>
         <p:spPr>
           <a:xfrm>
-            <a:off x="1202919" y="284176"/>
-            <a:ext cx="9784080" cy="1508760"/>
+            <a:off x="1143000" y="609600"/>
+            <a:ext cx="9875520" cy="1356360"/>
           </a:xfrm>
           <a:prstGeom prst="rect">
             <a:avLst/>
@@ -2830,8 +2843,8 @@
         </p:nvSpPr>
         <p:spPr>
           <a:xfrm>
-            <a:off x="1202919" y="2011680"/>
-            <a:ext cx="9784080" cy="4206240"/>
+            <a:off x="1143000" y="2057400"/>
+            <a:ext cx="9872871" cy="4038600"/>
           </a:xfrm>
           <a:prstGeom prst="rect">
             <a:avLst/>
@@ -2892,20 +2905,20 @@
         </p:nvSpPr>
         <p:spPr>
           <a:xfrm>
-            <a:off x="1202266" y="6422854"/>
-            <a:ext cx="3000894" cy="365125"/>
+            <a:off x="1142996" y="6223828"/>
+            <a:ext cx="2329074" cy="365125"/>
           </a:xfrm>
           <a:prstGeom prst="rect">
             <a:avLst/>
           </a:prstGeom>
         </p:spPr>
         <p:txBody>
-          <a:bodyPr vert="horz" lIns="91440" tIns="45720" rIns="45720" bIns="45720" rtlCol="0" anchor="ctr"/>
+          <a:bodyPr vert="horz" lIns="91440" tIns="45720" rIns="91440" bIns="45720" rtlCol="0" anchor="ctr"/>
           <a:lstStyle>
             <a:lvl1pPr algn="l">
-              <a:defRPr sz="1050">
+              <a:defRPr sz="1200">
                 <a:solidFill>
-                  <a:schemeClr val="tx1"/>
+                  <a:schemeClr val="accent1"/>
                 </a:solidFill>
               </a:defRPr>
             </a:lvl1pPr>
@@ -2913,7 +2926,7 @@
           <a:p>
             <a:fld id="{F5BD9EDC-AD3D-4FC9-A7D2-74D0E44B78B0}" type="datetimeFigureOut">
               <a:rPr lang="en-US" smtClean="0"/>
-              <a:t>7/13/2020</a:t>
+              <a:t>8/8/2020</a:t>
             </a:fld>
             <a:endParaRPr lang="en-US"/>
           </a:p>
@@ -2931,8 +2944,8 @@
         </p:nvSpPr>
         <p:spPr>
           <a:xfrm>
-            <a:off x="5596471" y="6422854"/>
-            <a:ext cx="5044440" cy="365125"/>
+            <a:off x="3949148" y="6223828"/>
+            <a:ext cx="4717774" cy="365125"/>
           </a:xfrm>
           <a:prstGeom prst="rect">
             <a:avLst/>
@@ -2941,10 +2954,10 @@
         <p:txBody>
           <a:bodyPr vert="horz" lIns="91440" tIns="45720" rIns="91440" bIns="45720" rtlCol="0" anchor="ctr"/>
           <a:lstStyle>
-            <a:lvl1pPr algn="r">
-              <a:defRPr sz="1050">
+            <a:lvl1pPr algn="ctr">
+              <a:defRPr sz="1200">
                 <a:solidFill>
-                  <a:schemeClr val="tx1"/>
+                  <a:schemeClr val="accent1"/>
                 </a:solidFill>
               </a:defRPr>
             </a:lvl1pPr>
@@ -2966,20 +2979,20 @@
         </p:nvSpPr>
         <p:spPr>
           <a:xfrm>
-            <a:off x="10658927" y="6422854"/>
-            <a:ext cx="946264" cy="365125"/>
+            <a:off x="9329530" y="6223828"/>
+            <a:ext cx="1706217" cy="365125"/>
           </a:xfrm>
           <a:prstGeom prst="rect">
             <a:avLst/>
           </a:prstGeom>
         </p:spPr>
         <p:txBody>
-          <a:bodyPr vert="horz" lIns="45720" tIns="45720" rIns="91440" bIns="45720" rtlCol="0" anchor="ctr"/>
+          <a:bodyPr vert="horz" lIns="91440" tIns="45720" rIns="91440" bIns="45720" rtlCol="0" anchor="ctr"/>
           <a:lstStyle>
-            <a:lvl1pPr algn="l">
-              <a:defRPr sz="1200" b="0">
+            <a:lvl1pPr algn="r">
+              <a:defRPr sz="1200">
                 <a:solidFill>
-                  <a:schemeClr val="tx1"/>
+                  <a:schemeClr val="accent1"/>
                 </a:solidFill>
               </a:defRPr>
             </a:lvl1pPr>
@@ -2996,37 +3009,37 @@
     </p:spTree>
     <p:extLst>
       <p:ext uri="{BB962C8B-B14F-4D97-AF65-F5344CB8AC3E}">
-        <p14:creationId xmlns:p14="http://schemas.microsoft.com/office/powerpoint/2010/main" val="1629505367"/>
+        <p14:creationId xmlns:p14="http://schemas.microsoft.com/office/powerpoint/2010/main" val="3889882453"/>
       </p:ext>
     </p:extLst>
   </p:cSld>
-  <p:clrMap bg1="dk1" tx1="lt1" bg2="dk2" tx2="lt2" accent1="accent1" accent2="accent2" accent3="accent3" accent4="accent4" accent5="accent5" accent6="accent6" hlink="hlink" folHlink="folHlink"/>
+  <p:clrMap bg1="lt1" tx1="dk1" bg2="lt2" tx2="dk2" accent1="accent1" accent2="accent2" accent3="accent3" accent4="accent4" accent5="accent5" accent6="accent6" hlink="hlink" folHlink="folHlink"/>
   <p:sldLayoutIdLst>
-    <p:sldLayoutId id="2147483708" r:id="rId1"/>
-    <p:sldLayoutId id="2147483709" r:id="rId2"/>
-    <p:sldLayoutId id="2147483710" r:id="rId3"/>
-    <p:sldLayoutId id="2147483711" r:id="rId4"/>
-    <p:sldLayoutId id="2147483712" r:id="rId5"/>
-    <p:sldLayoutId id="2147483713" r:id="rId6"/>
-    <p:sldLayoutId id="2147483714" r:id="rId7"/>
-    <p:sldLayoutId id="2147483715" r:id="rId8"/>
-    <p:sldLayoutId id="2147483716" r:id="rId9"/>
-    <p:sldLayoutId id="2147483717" r:id="rId10"/>
-    <p:sldLayoutId id="2147483718" r:id="rId11"/>
+    <p:sldLayoutId id="2147483738" r:id="rId1"/>
+    <p:sldLayoutId id="2147483739" r:id="rId2"/>
+    <p:sldLayoutId id="2147483740" r:id="rId3"/>
+    <p:sldLayoutId id="2147483741" r:id="rId4"/>
+    <p:sldLayoutId id="2147483742" r:id="rId5"/>
+    <p:sldLayoutId id="2147483743" r:id="rId6"/>
+    <p:sldLayoutId id="2147483744" r:id="rId7"/>
+    <p:sldLayoutId id="2147483745" r:id="rId8"/>
+    <p:sldLayoutId id="2147483746" r:id="rId9"/>
+    <p:sldLayoutId id="2147483747" r:id="rId10"/>
+    <p:sldLayoutId id="2147483748" r:id="rId11"/>
   </p:sldLayoutIdLst>
   <p:txStyles>
     <p:titleStyle>
       <a:lvl1pPr algn="l" defTabSz="914400" rtl="0" eaLnBrk="1" latinLnBrk="0" hangingPunct="1">
         <a:lnSpc>
-          <a:spcPct val="85000"/>
+          <a:spcPct val="90000"/>
         </a:lnSpc>
         <a:spcBef>
           <a:spcPct val="0"/>
         </a:spcBef>
         <a:buNone/>
-        <a:defRPr sz="4000" kern="1200" cap="all" baseline="0">
+        <a:defRPr sz="4400" kern="1200">
           <a:solidFill>
-            <a:schemeClr val="bg2"/>
+            <a:schemeClr val="accent1"/>
           </a:solidFill>
           <a:latin typeface="+mj-lt"/>
           <a:ea typeface="+mj-ea"/>
@@ -3035,31 +3048,29 @@
       </a:lvl1pPr>
     </p:titleStyle>
     <p:bodyStyle>
-      <a:lvl1pPr marL="182880" indent="-182880" algn="l" defTabSz="914400" rtl="0" eaLnBrk="1" latinLnBrk="0" hangingPunct="1">
+      <a:lvl1pPr marL="228600" indent="-182880" algn="l" defTabSz="914400" rtl="0" eaLnBrk="1" latinLnBrk="0" hangingPunct="1">
         <a:lnSpc>
           <a:spcPct val="90000"/>
         </a:lnSpc>
         <a:spcBef>
-          <a:spcPts val="1200"/>
+          <a:spcPts val="1400"/>
         </a:spcBef>
-        <a:spcAft>
-          <a:spcPts val="200"/>
-        </a:spcAft>
         <a:buClr>
-          <a:schemeClr val="tx1"/>
+          <a:schemeClr val="accent1"/>
         </a:buClr>
-        <a:buFont typeface="Wingdings" pitchFamily="2" charset="2"/>
-        <a:buChar char=""/>
+        <a:buSzPct val="80000"/>
+        <a:buFont typeface="Corbel" pitchFamily="34" charset="0"/>
+        <a:buChar char="•"/>
         <a:defRPr sz="2200" kern="1200">
           <a:solidFill>
-            <a:schemeClr val="tx1"/>
+            <a:schemeClr val="accent1"/>
           </a:solidFill>
           <a:latin typeface="+mn-lt"/>
           <a:ea typeface="+mn-ea"/>
           <a:cs typeface="+mn-cs"/>
         </a:defRPr>
       </a:lvl1pPr>
-      <a:lvl2pPr marL="411480" indent="-182880" algn="l" defTabSz="914400" rtl="0" eaLnBrk="1" latinLnBrk="0" hangingPunct="1">
+      <a:lvl2pPr marL="457200" indent="-182880" algn="l" defTabSz="914400" rtl="0" eaLnBrk="1" latinLnBrk="0" hangingPunct="1">
         <a:lnSpc>
           <a:spcPct val="90000"/>
         </a:lnSpc>
@@ -3070,20 +3081,21 @@
           <a:spcPts val="400"/>
         </a:spcAft>
         <a:buClr>
-          <a:schemeClr val="tx1"/>
+          <a:schemeClr val="accent1"/>
         </a:buClr>
-        <a:buFont typeface="Wingdings" pitchFamily="2" charset="2"/>
-        <a:buChar char=""/>
+        <a:buSzPct val="80000"/>
+        <a:buFont typeface="Corbel" pitchFamily="34" charset="0"/>
+        <a:buChar char="•"/>
         <a:defRPr sz="2000" kern="1200">
           <a:solidFill>
-            <a:schemeClr val="tx1"/>
+            <a:schemeClr val="accent1"/>
           </a:solidFill>
           <a:latin typeface="+mn-lt"/>
           <a:ea typeface="+mn-ea"/>
           <a:cs typeface="+mn-cs"/>
         </a:defRPr>
       </a:lvl2pPr>
-      <a:lvl3pPr marL="640080" indent="-182880" algn="l" defTabSz="914400" rtl="0" eaLnBrk="1" latinLnBrk="0" hangingPunct="1">
+      <a:lvl3pPr marL="731520" indent="-182880" algn="l" defTabSz="914400" rtl="0" eaLnBrk="1" latinLnBrk="0" hangingPunct="1">
         <a:lnSpc>
           <a:spcPct val="90000"/>
         </a:lnSpc>
@@ -3094,20 +3106,21 @@
           <a:spcPts val="400"/>
         </a:spcAft>
         <a:buClr>
-          <a:schemeClr val="tx1"/>
+          <a:schemeClr val="accent1"/>
         </a:buClr>
-        <a:buFont typeface="Wingdings" pitchFamily="2" charset="2"/>
-        <a:buChar char=""/>
+        <a:buSzPct val="80000"/>
+        <a:buFont typeface="Corbel" pitchFamily="34" charset="0"/>
+        <a:buChar char="•"/>
         <a:defRPr sz="1800" kern="1200">
           <a:solidFill>
-            <a:schemeClr val="tx1"/>
+            <a:schemeClr val="accent1"/>
           </a:solidFill>
           <a:latin typeface="+mn-lt"/>
           <a:ea typeface="+mn-ea"/>
           <a:cs typeface="+mn-cs"/>
         </a:defRPr>
       </a:lvl3pPr>
-      <a:lvl4pPr marL="868680" indent="-182880" algn="l" defTabSz="914400" rtl="0" eaLnBrk="1" latinLnBrk="0" hangingPunct="1">
+      <a:lvl4pPr marL="1005840" indent="-182880" algn="l" defTabSz="914400" rtl="0" eaLnBrk="1" latinLnBrk="0" hangingPunct="1">
         <a:lnSpc>
           <a:spcPct val="90000"/>
         </a:lnSpc>
@@ -3118,20 +3131,21 @@
           <a:spcPts val="400"/>
         </a:spcAft>
         <a:buClr>
-          <a:schemeClr val="tx1"/>
+          <a:schemeClr val="accent1"/>
         </a:buClr>
-        <a:buFont typeface="Wingdings" pitchFamily="2" charset="2"/>
-        <a:buChar char=""/>
+        <a:buSzPct val="80000"/>
+        <a:buFont typeface="Corbel" pitchFamily="34" charset="0"/>
+        <a:buChar char="•"/>
         <a:defRPr sz="1600" kern="1200">
           <a:solidFill>
-            <a:schemeClr val="tx1"/>
+            <a:schemeClr val="accent1"/>
           </a:solidFill>
           <a:latin typeface="+mn-lt"/>
           <a:ea typeface="+mn-ea"/>
           <a:cs typeface="+mn-cs"/>
         </a:defRPr>
       </a:lvl4pPr>
-      <a:lvl5pPr marL="1097280" indent="-182880" algn="l" defTabSz="914400" rtl="0" eaLnBrk="1" latinLnBrk="0" hangingPunct="1">
+      <a:lvl5pPr marL="1280160" indent="-182880" algn="l" defTabSz="914400" rtl="0" eaLnBrk="1" latinLnBrk="0" hangingPunct="1">
         <a:lnSpc>
           <a:spcPct val="90000"/>
         </a:lnSpc>
@@ -3142,20 +3156,21 @@
           <a:spcPts val="400"/>
         </a:spcAft>
         <a:buClr>
-          <a:schemeClr val="tx1"/>
+          <a:schemeClr val="accent1"/>
         </a:buClr>
-        <a:buFont typeface="Wingdings" pitchFamily="2" charset="2"/>
-        <a:buChar char=""/>
+        <a:buSzPct val="80000"/>
+        <a:buFont typeface="Corbel" pitchFamily="34" charset="0"/>
+        <a:buChar char="•"/>
         <a:defRPr sz="1600" kern="1200">
           <a:solidFill>
-            <a:schemeClr val="tx1"/>
+            <a:schemeClr val="accent1"/>
           </a:solidFill>
           <a:latin typeface="+mn-lt"/>
           <a:ea typeface="+mn-ea"/>
           <a:cs typeface="+mn-cs"/>
         </a:defRPr>
       </a:lvl5pPr>
-      <a:lvl6pPr marL="1284600" indent="-228600" algn="l" defTabSz="914400" rtl="0" eaLnBrk="1" latinLnBrk="0" hangingPunct="1">
+      <a:lvl6pPr marL="1600000" indent="-228600" algn="l" defTabSz="914400" rtl="0" eaLnBrk="1" latinLnBrk="0" hangingPunct="1">
         <a:lnSpc>
           <a:spcPct val="90000"/>
         </a:lnSpc>
@@ -3166,20 +3181,21 @@
           <a:spcPts val="400"/>
         </a:spcAft>
         <a:buClr>
-          <a:schemeClr val="tx1"/>
+          <a:schemeClr val="accent1"/>
         </a:buClr>
-        <a:buFont typeface="Wingdings" pitchFamily="2" charset="2"/>
-        <a:buChar char=""/>
+        <a:buSzPct val="80000"/>
+        <a:buFont typeface="Corbel" pitchFamily="34" charset="0"/>
+        <a:buChar char="•"/>
         <a:defRPr sz="1600" kern="1200">
           <a:solidFill>
-            <a:schemeClr val="tx1"/>
+            <a:schemeClr val="accent1"/>
           </a:solidFill>
           <a:latin typeface="+mn-lt"/>
           <a:ea typeface="+mn-ea"/>
           <a:cs typeface="+mn-cs"/>
         </a:defRPr>
       </a:lvl6pPr>
-      <a:lvl7pPr marL="1471800" indent="-228600" algn="l" defTabSz="914400" rtl="0" eaLnBrk="1" latinLnBrk="0" hangingPunct="1">
+      <a:lvl7pPr marL="1900000" indent="-228600" algn="l" defTabSz="914400" rtl="0" eaLnBrk="1" latinLnBrk="0" hangingPunct="1">
         <a:lnSpc>
           <a:spcPct val="90000"/>
         </a:lnSpc>
@@ -3190,20 +3206,21 @@
           <a:spcPts val="400"/>
         </a:spcAft>
         <a:buClr>
-          <a:schemeClr val="tx1"/>
+          <a:schemeClr val="accent1"/>
         </a:buClr>
-        <a:buFont typeface="Wingdings" pitchFamily="2" charset="2"/>
-        <a:buChar char=""/>
+        <a:buSzPct val="80000"/>
+        <a:buFont typeface="Corbel" pitchFamily="34" charset="0"/>
+        <a:buChar char="•"/>
         <a:defRPr sz="1600" kern="1200">
           <a:solidFill>
-            <a:schemeClr val="tx1"/>
+            <a:schemeClr val="accent1"/>
           </a:solidFill>
           <a:latin typeface="+mn-lt"/>
           <a:ea typeface="+mn-ea"/>
           <a:cs typeface="+mn-cs"/>
         </a:defRPr>
       </a:lvl7pPr>
-      <a:lvl8pPr marL="1629000" indent="-228600" algn="l" defTabSz="914400" rtl="0" eaLnBrk="1" latinLnBrk="0" hangingPunct="1">
+      <a:lvl8pPr marL="2200000" indent="-228600" algn="l" defTabSz="914400" rtl="0" eaLnBrk="1" latinLnBrk="0" hangingPunct="1">
         <a:lnSpc>
           <a:spcPct val="90000"/>
         </a:lnSpc>
@@ -3214,20 +3231,21 @@
           <a:spcPts val="400"/>
         </a:spcAft>
         <a:buClr>
-          <a:schemeClr val="tx1"/>
+          <a:schemeClr val="accent1"/>
         </a:buClr>
-        <a:buFont typeface="Wingdings" pitchFamily="2" charset="2"/>
-        <a:buChar char=""/>
+        <a:buSzPct val="80000"/>
+        <a:buFont typeface="Corbel" pitchFamily="34" charset="0"/>
+        <a:buChar char="•"/>
         <a:defRPr sz="1600" kern="1200">
           <a:solidFill>
-            <a:schemeClr val="tx1"/>
+            <a:schemeClr val="accent1"/>
           </a:solidFill>
           <a:latin typeface="+mn-lt"/>
           <a:ea typeface="+mn-ea"/>
           <a:cs typeface="+mn-cs"/>
         </a:defRPr>
       </a:lvl8pPr>
-      <a:lvl9pPr marL="1806200" indent="-228600" algn="l" defTabSz="914400" rtl="0" eaLnBrk="1" latinLnBrk="0" hangingPunct="1">
+      <a:lvl9pPr marL="2500000" indent="-228600" algn="l" defTabSz="914400" rtl="0" eaLnBrk="1" latinLnBrk="0" hangingPunct="1">
         <a:lnSpc>
           <a:spcPct val="90000"/>
         </a:lnSpc>
@@ -3238,13 +3256,14 @@
           <a:spcPts val="400"/>
         </a:spcAft>
         <a:buClr>
-          <a:schemeClr val="tx1"/>
+          <a:schemeClr val="accent1"/>
         </a:buClr>
-        <a:buFont typeface="Wingdings" pitchFamily="2" charset="2"/>
-        <a:buChar char=""/>
+        <a:buSzPct val="80000"/>
+        <a:buFont typeface="Corbel" pitchFamily="34" charset="0"/>
+        <a:buChar char="•"/>
         <a:defRPr sz="1600" kern="1200">
           <a:solidFill>
-            <a:schemeClr val="tx1"/>
+            <a:schemeClr val="accent1"/>
           </a:solidFill>
           <a:latin typeface="+mn-lt"/>
           <a:ea typeface="+mn-ea"/>
@@ -3525,8 +3544,8 @@
         </p:blipFill>
         <p:spPr>
           <a:xfrm>
-            <a:off x="3442494" y="2071688"/>
-            <a:ext cx="5305425" cy="4086225"/>
+            <a:off x="3457536" y="2057400"/>
+            <a:ext cx="5243590" cy="4038600"/>
           </a:xfrm>
         </p:spPr>
       </p:pic>
@@ -3572,7 +3591,9 @@
         </p:nvSpPr>
         <p:spPr/>
         <p:txBody>
-          <a:bodyPr/>
+          <a:bodyPr>
+            <a:normAutofit/>
+          </a:bodyPr>
           <a:lstStyle/>
           <a:p>
             <a:r>
@@ -3756,7 +3777,9 @@
         </p:nvSpPr>
         <p:spPr/>
         <p:txBody>
-          <a:bodyPr/>
+          <a:bodyPr>
+            <a:normAutofit/>
+          </a:bodyPr>
           <a:lstStyle/>
           <a:p>
             <a:r>
@@ -3783,7 +3806,7 @@
         <p:spPr/>
         <p:txBody>
           <a:bodyPr>
-            <a:normAutofit fontScale="62500" lnSpcReduction="20000"/>
+            <a:normAutofit fontScale="55000" lnSpcReduction="20000"/>
           </a:bodyPr>
           <a:lstStyle/>
           <a:p>
@@ -4002,47 +4025,47 @@
 </file>
 
 <file path=ppt/theme/theme1.xml><?xml version="1.0" encoding="utf-8"?>
-<a:theme xmlns:a="http://schemas.openxmlformats.org/drawingml/2006/main" name="Banded">
+<a:theme xmlns:a="http://schemas.openxmlformats.org/drawingml/2006/main" name="Basis">
   <a:themeElements>
-    <a:clrScheme name="Banded">
+    <a:clrScheme name="Basis">
       <a:dk1>
-        <a:srgbClr val="2C2C2C"/>
+        <a:srgbClr val="000000"/>
       </a:dk1>
       <a:lt1>
         <a:srgbClr val="FFFFFF"/>
       </a:lt1>
       <a:dk2>
-        <a:srgbClr val="099BDD"/>
+        <a:srgbClr val="565349"/>
       </a:dk2>
       <a:lt2>
-        <a:srgbClr val="F2F2F2"/>
+        <a:srgbClr val="DDDDDD"/>
       </a:lt2>
       <a:accent1>
-        <a:srgbClr val="FFC000"/>
+        <a:srgbClr val="A6B727"/>
       </a:accent1>
       <a:accent2>
-        <a:srgbClr val="A5D028"/>
+        <a:srgbClr val="DF5327"/>
       </a:accent2>
       <a:accent3>
-        <a:srgbClr val="08CC78"/>
+        <a:srgbClr val="FE9E00"/>
       </a:accent3>
       <a:accent4>
-        <a:srgbClr val="F24099"/>
+        <a:srgbClr val="418AB3"/>
       </a:accent4>
       <a:accent5>
-        <a:srgbClr val="828288"/>
+        <a:srgbClr val="D7D447"/>
       </a:accent5>
       <a:accent6>
-        <a:srgbClr val="F56617"/>
+        <a:srgbClr val="818183"/>
       </a:accent6>
       <a:hlink>
-        <a:srgbClr val="005DBA"/>
+        <a:srgbClr val="F59E00"/>
       </a:hlink>
       <a:folHlink>
-        <a:srgbClr val="6C606A"/>
+        <a:srgbClr val="B2B2B2"/>
       </a:folHlink>
     </a:clrScheme>
-    <a:fontScheme name="Banded">
+    <a:fontScheme name="Basis">
       <a:majorFont>
         <a:latin typeface="Corbel" panose="020B0503020204020204"/>
         <a:ea typeface=""/>
@@ -4114,79 +4137,54 @@
         <a:font script="Geor" typeface="Sylfaen"/>
       </a:minorFont>
     </a:fontScheme>
-    <a:fmtScheme name="Banded">
+    <a:fmtScheme name="Basis">
       <a:fillStyleLst>
         <a:solidFill>
           <a:schemeClr val="phClr"/>
         </a:solidFill>
+        <a:solidFill>
+          <a:schemeClr val="phClr">
+            <a:tint val="55000"/>
+            <a:satMod val="130000"/>
+          </a:schemeClr>
+        </a:solidFill>
         <a:gradFill rotWithShape="1">
           <a:gsLst>
             <a:gs pos="0">
+              <a:schemeClr val="phClr"/>
+            </a:gs>
+            <a:gs pos="90000">
               <a:schemeClr val="phClr">
-                <a:tint val="65000"/>
-                <a:satMod val="120000"/>
-                <a:lumMod val="107000"/>
-              </a:schemeClr>
-            </a:gs>
-            <a:gs pos="50000">
-              <a:schemeClr val="phClr">
-                <a:tint val="70000"/>
-                <a:satMod val="124000"/>
-                <a:lumMod val="103000"/>
+                <a:shade val="100000"/>
+                <a:satMod val="105000"/>
               </a:schemeClr>
             </a:gs>
             <a:gs pos="100000">
               <a:schemeClr val="phClr">
-                <a:tint val="85000"/>
+                <a:shade val="80000"/>
                 <a:satMod val="120000"/>
-                <a:lumMod val="100000"/>
               </a:schemeClr>
             </a:gs>
           </a:gsLst>
-          <a:lin ang="5400000" scaled="0"/>
-        </a:gradFill>
-        <a:gradFill rotWithShape="1">
-          <a:gsLst>
-            <a:gs pos="0">
-              <a:schemeClr val="phClr">
-                <a:tint val="85000"/>
-                <a:shade val="98000"/>
-                <a:satMod val="110000"/>
-                <a:lumMod val="103000"/>
-              </a:schemeClr>
-            </a:gs>
-            <a:gs pos="50000">
-              <a:schemeClr val="phClr">
-                <a:shade val="85000"/>
-                <a:satMod val="105000"/>
-                <a:lumMod val="100000"/>
-              </a:schemeClr>
-            </a:gs>
-            <a:gs pos="100000">
-              <a:schemeClr val="phClr">
-                <a:shade val="60000"/>
-                <a:satMod val="120000"/>
-                <a:lumMod val="100000"/>
-              </a:schemeClr>
-            </a:gs>
-          </a:gsLst>
-          <a:lin ang="5400000" scaled="0"/>
+          <a:path path="circle">
+            <a:fillToRect l="100000" t="100000" r="100000" b="100000"/>
+          </a:path>
         </a:gradFill>
       </a:fillStyleLst>
       <a:lnStyleLst>
-        <a:ln w="9525" cap="flat" cmpd="sng" algn="ctr">
+        <a:ln w="10000" cap="flat" cmpd="sng" algn="ctr">
           <a:solidFill>
             <a:schemeClr val="phClr"/>
           </a:solidFill>
           <a:prstDash val="solid"/>
         </a:ln>
-        <a:ln w="12700" cap="flat" cmpd="sng" algn="ctr">
+        <a:ln w="19050" cap="flat" cmpd="sng" algn="ctr">
           <a:solidFill>
             <a:schemeClr val="phClr"/>
           </a:solidFill>
           <a:prstDash val="solid"/>
         </a:ln>
-        <a:ln w="25400" cap="flat" cmpd="sng" algn="ctr">
+        <a:ln w="53975" cap="flat" cmpd="dbl" algn="ctr">
           <a:solidFill>
             <a:schemeClr val="phClr"/>
           </a:solidFill>
@@ -4199,57 +4197,57 @@
         </a:effectStyle>
         <a:effectStyle>
           <a:effectLst>
-            <a:outerShdw blurRad="50800" dist="15875" dir="5400000" algn="ctr" rotWithShape="0">
+            <a:outerShdw blurRad="38100" dist="25400" dir="5400000" rotWithShape="0">
               <a:srgbClr val="000000">
-                <a:alpha val="68000"/>
+                <a:alpha val="45000"/>
               </a:srgbClr>
             </a:outerShdw>
           </a:effectLst>
         </a:effectStyle>
         <a:effectStyle>
           <a:effectLst>
-            <a:outerShdw blurRad="88900" dist="27940" dir="5400000" algn="ctr" rotWithShape="0">
+            <a:outerShdw blurRad="38100" dist="25400" dir="5400000" rotWithShape="0">
               <a:srgbClr val="000000">
-                <a:alpha val="63000"/>
+                <a:alpha val="45000"/>
               </a:srgbClr>
             </a:outerShdw>
           </a:effectLst>
+          <a:scene3d>
+            <a:camera prst="orthographicFront">
+              <a:rot lat="0" lon="0" rev="0"/>
+            </a:camera>
+            <a:lightRig rig="brightRoom" dir="t"/>
+          </a:scene3d>
+          <a:sp3d extrusionH="12700" contourW="25400" prstMaterial="flat">
+            <a:bevelT w="63500" h="152400" prst="angle"/>
+            <a:contourClr>
+              <a:schemeClr val="phClr">
+                <a:shade val="27000"/>
+                <a:satMod val="120000"/>
+              </a:schemeClr>
+            </a:contourClr>
+          </a:sp3d>
         </a:effectStyle>
       </a:effectStyleLst>
       <a:bgFillStyleLst>
         <a:solidFill>
           <a:schemeClr val="phClr"/>
         </a:solidFill>
-        <a:blipFill rotWithShape="1">
-          <a:blip xmlns:r="http://schemas.openxmlformats.org/officeDocument/2006/relationships" r:embed="rId1">
-            <a:duotone>
-              <a:schemeClr val="phClr"/>
-              <a:schemeClr val="phClr">
-                <a:shade val="91000"/>
-                <a:satMod val="105000"/>
-              </a:schemeClr>
-            </a:duotone>
-          </a:blip>
-          <a:tile tx="0" ty="0" sx="100000" sy="100000" flip="none" algn="tl"/>
-        </a:blipFill>
-        <a:gradFill rotWithShape="1">
-          <a:gsLst>
-            <a:gs pos="0">
-              <a:schemeClr val="phClr">
-                <a:tint val="100000"/>
-                <a:shade val="0"/>
-                <a:satMod val="100000"/>
-              </a:schemeClr>
-            </a:gs>
-            <a:gs pos="100000">
-              <a:schemeClr val="phClr">
-                <a:shade val="100000"/>
-                <a:satMod val="100000"/>
-              </a:schemeClr>
-            </a:gs>
-          </a:gsLst>
-          <a:lin ang="5400000" scaled="0"/>
-        </a:gradFill>
+        <a:solidFill>
+          <a:schemeClr val="phClr">
+            <a:tint val="95000"/>
+            <a:shade val="95000"/>
+            <a:satMod val="140000"/>
+          </a:schemeClr>
+        </a:solidFill>
+        <a:solidFill>
+          <a:schemeClr val="phClr">
+            <a:tint val="90000"/>
+            <a:shade val="85000"/>
+            <a:satMod val="160000"/>
+            <a:lumMod val="110000"/>
+          </a:schemeClr>
+        </a:solidFill>
       </a:bgFillStyleLst>
     </a:fmtScheme>
   </a:themeElements>
@@ -4257,7 +4255,7 @@
   <a:extraClrSchemeLst/>
   <a:extLst>
     <a:ext uri="{05A4C25C-085E-4340-85A3-A5531E510DB2}">
-      <thm15:themeFamily xmlns:thm15="http://schemas.microsoft.com/office/thememl/2012/main" name="Banded" id="{98DFF888-2449-4D28-977C-6306C017633E}" vid="{9792607F-9579-4224-82FF-9C88C3E1E53D}"/>
+      <thm15:themeFamily xmlns:thm15="http://schemas.microsoft.com/office/thememl/2012/main" name="Basis" id="{5665723A-49BA-4B57-8411-A56F8F207965}" vid="{90E45F77-AEFC-46EF-A7C1-5B338C297B02}"/>
     </a:ext>
   </a:extLst>
 </a:theme>
